--- a/doc/gatech-thesis-1.8/myfigures/full_system.pptx
+++ b/doc/gatech-thesis-1.8/myfigures/full_system.pptx
@@ -289,7 +289,7 @@
             <a:fld id="{72AC2063-2CD0-4D71-B7E7-CE36CB9C5CA4}" type="datetimeFigureOut">
               <a:rPr lang="en-US" smtClean="0"/>
               <a:pPr/>
-              <a:t>12/5/2013</a:t>
+              <a:t>12/9/2013</a:t>
             </a:fld>
             <a:endParaRPr lang="en-US"/>
           </a:p>
@@ -456,7 +456,7 @@
             <a:fld id="{72AC2063-2CD0-4D71-B7E7-CE36CB9C5CA4}" type="datetimeFigureOut">
               <a:rPr lang="en-US" smtClean="0"/>
               <a:pPr/>
-              <a:t>12/5/2013</a:t>
+              <a:t>12/9/2013</a:t>
             </a:fld>
             <a:endParaRPr lang="en-US"/>
           </a:p>
@@ -633,7 +633,7 @@
             <a:fld id="{72AC2063-2CD0-4D71-B7E7-CE36CB9C5CA4}" type="datetimeFigureOut">
               <a:rPr lang="en-US" smtClean="0"/>
               <a:pPr/>
-              <a:t>12/5/2013</a:t>
+              <a:t>12/9/2013</a:t>
             </a:fld>
             <a:endParaRPr lang="en-US"/>
           </a:p>
@@ -800,7 +800,7 @@
             <a:fld id="{72AC2063-2CD0-4D71-B7E7-CE36CB9C5CA4}" type="datetimeFigureOut">
               <a:rPr lang="en-US" smtClean="0"/>
               <a:pPr/>
-              <a:t>12/5/2013</a:t>
+              <a:t>12/9/2013</a:t>
             </a:fld>
             <a:endParaRPr lang="en-US"/>
           </a:p>
@@ -1043,7 +1043,7 @@
             <a:fld id="{72AC2063-2CD0-4D71-B7E7-CE36CB9C5CA4}" type="datetimeFigureOut">
               <a:rPr lang="en-US" smtClean="0"/>
               <a:pPr/>
-              <a:t>12/5/2013</a:t>
+              <a:t>12/9/2013</a:t>
             </a:fld>
             <a:endParaRPr lang="en-US"/>
           </a:p>
@@ -1328,7 +1328,7 @@
             <a:fld id="{72AC2063-2CD0-4D71-B7E7-CE36CB9C5CA4}" type="datetimeFigureOut">
               <a:rPr lang="en-US" smtClean="0"/>
               <a:pPr/>
-              <a:t>12/5/2013</a:t>
+              <a:t>12/9/2013</a:t>
             </a:fld>
             <a:endParaRPr lang="en-US"/>
           </a:p>
@@ -1747,7 +1747,7 @@
             <a:fld id="{72AC2063-2CD0-4D71-B7E7-CE36CB9C5CA4}" type="datetimeFigureOut">
               <a:rPr lang="en-US" smtClean="0"/>
               <a:pPr/>
-              <a:t>12/5/2013</a:t>
+              <a:t>12/9/2013</a:t>
             </a:fld>
             <a:endParaRPr lang="en-US"/>
           </a:p>
@@ -1862,7 +1862,7 @@
             <a:fld id="{72AC2063-2CD0-4D71-B7E7-CE36CB9C5CA4}" type="datetimeFigureOut">
               <a:rPr lang="en-US" smtClean="0"/>
               <a:pPr/>
-              <a:t>12/5/2013</a:t>
+              <a:t>12/9/2013</a:t>
             </a:fld>
             <a:endParaRPr lang="en-US"/>
           </a:p>
@@ -1954,7 +1954,7 @@
             <a:fld id="{72AC2063-2CD0-4D71-B7E7-CE36CB9C5CA4}" type="datetimeFigureOut">
               <a:rPr lang="en-US" smtClean="0"/>
               <a:pPr/>
-              <a:t>12/5/2013</a:t>
+              <a:t>12/9/2013</a:t>
             </a:fld>
             <a:endParaRPr lang="en-US"/>
           </a:p>
@@ -2228,7 +2228,7 @@
             <a:fld id="{72AC2063-2CD0-4D71-B7E7-CE36CB9C5CA4}" type="datetimeFigureOut">
               <a:rPr lang="en-US" smtClean="0"/>
               <a:pPr/>
-              <a:t>12/5/2013</a:t>
+              <a:t>12/9/2013</a:t>
             </a:fld>
             <a:endParaRPr lang="en-US"/>
           </a:p>
@@ -2478,7 +2478,7 @@
             <a:fld id="{72AC2063-2CD0-4D71-B7E7-CE36CB9C5CA4}" type="datetimeFigureOut">
               <a:rPr lang="en-US" smtClean="0"/>
               <a:pPr/>
-              <a:t>12/5/2013</a:t>
+              <a:t>12/9/2013</a:t>
             </a:fld>
             <a:endParaRPr lang="en-US"/>
           </a:p>
@@ -2688,7 +2688,7 @@
             <a:fld id="{72AC2063-2CD0-4D71-B7E7-CE36CB9C5CA4}" type="datetimeFigureOut">
               <a:rPr lang="en-US" smtClean="0"/>
               <a:pPr/>
-              <a:t>12/5/2013</a:t>
+              <a:t>12/9/2013</a:t>
             </a:fld>
             <a:endParaRPr lang="en-US"/>
           </a:p>
@@ -3577,8 +3577,8 @@
         </p:nvSpPr>
         <p:spPr>
           <a:xfrm>
-            <a:off x="762000" y="6096000"/>
-            <a:ext cx="838200" cy="381000"/>
+            <a:off x="685800" y="6096000"/>
+            <a:ext cx="990600" cy="381000"/>
           </a:xfrm>
           <a:prstGeom prst="roundRect">
             <a:avLst/>
@@ -3604,10 +3604,10 @@
           <a:p>
             <a:pPr algn="ctr"/>
             <a:r>
-              <a:rPr lang="en-US" sz="1200" dirty="0" smtClean="0"/>
+              <a:rPr lang="en-US" sz="1400" dirty="0" smtClean="0"/>
               <a:t>Inst ROM</a:t>
             </a:r>
-            <a:endParaRPr lang="en-US" sz="1200" dirty="0"/>
+            <a:endParaRPr lang="en-US" sz="1400" dirty="0"/>
           </a:p>
         </p:txBody>
       </p:sp>
@@ -3648,54 +3648,10 @@
           </a:fontRef>
         </p:style>
       </p:cxnSp>
-      <p:sp>
-        <p:nvSpPr>
-          <p:cNvPr id="65" name="Rounded Rectangle 64"/>
-          <p:cNvSpPr/>
-          <p:nvPr/>
-        </p:nvSpPr>
-        <p:spPr>
-          <a:xfrm>
-            <a:off x="2590800" y="6096000"/>
-            <a:ext cx="838200" cy="381000"/>
-          </a:xfrm>
-          <a:prstGeom prst="roundRect">
-            <a:avLst/>
-          </a:prstGeom>
-        </p:spPr>
-        <p:style>
-          <a:lnRef idx="1">
-            <a:schemeClr val="dk1"/>
-          </a:lnRef>
-          <a:fillRef idx="2">
-            <a:schemeClr val="dk1"/>
-          </a:fillRef>
-          <a:effectRef idx="1">
-            <a:schemeClr val="dk1"/>
-          </a:effectRef>
-          <a:fontRef idx="minor">
-            <a:schemeClr val="dk1"/>
-          </a:fontRef>
-        </p:style>
-        <p:txBody>
-          <a:bodyPr rtlCol="0" anchor="ctr"/>
-          <a:lstStyle/>
-          <a:p>
-            <a:pPr algn="ctr"/>
-            <a:r>
-              <a:rPr lang="en-US" sz="1200" dirty="0" smtClean="0"/>
-              <a:t>Inst ROM</a:t>
-            </a:r>
-            <a:endParaRPr lang="en-US" sz="1200" dirty="0"/>
-          </a:p>
-        </p:txBody>
-      </p:sp>
       <p:cxnSp>
         <p:nvCxnSpPr>
           <p:cNvPr id="66" name="Straight Arrow Connector 65"/>
-          <p:cNvCxnSpPr>
-            <a:endCxn id="65" idx="0"/>
-          </p:cNvCxnSpPr>
+          <p:cNvCxnSpPr/>
           <p:nvPr/>
         </p:nvCxnSpPr>
         <p:spPr>
@@ -4078,54 +4034,11 @@
           </a:fontRef>
         </p:style>
       </p:cxnSp>
-      <p:sp>
-        <p:nvSpPr>
-          <p:cNvPr id="42" name="Rounded Rectangle 41"/>
-          <p:cNvSpPr/>
-          <p:nvPr/>
-        </p:nvSpPr>
-        <p:spPr>
-          <a:xfrm>
-            <a:off x="6096000" y="6096000"/>
-            <a:ext cx="1143000" cy="381000"/>
-          </a:xfrm>
-          <a:prstGeom prst="roundRect">
-            <a:avLst/>
-          </a:prstGeom>
-        </p:spPr>
-        <p:style>
-          <a:lnRef idx="1">
-            <a:schemeClr val="dk1"/>
-          </a:lnRef>
-          <a:fillRef idx="2">
-            <a:schemeClr val="dk1"/>
-          </a:fillRef>
-          <a:effectRef idx="1">
-            <a:schemeClr val="dk1"/>
-          </a:effectRef>
-          <a:fontRef idx="minor">
-            <a:schemeClr val="dk1"/>
-          </a:fontRef>
-        </p:style>
-        <p:txBody>
-          <a:bodyPr rtlCol="0" anchor="ctr"/>
-          <a:lstStyle/>
-          <a:p>
-            <a:pPr algn="ctr"/>
-            <a:r>
-              <a:rPr lang="en-US" sz="1200" dirty="0" smtClean="0"/>
-              <a:t>Inst ROM</a:t>
-            </a:r>
-            <a:endParaRPr lang="en-US" sz="1200" dirty="0"/>
-          </a:p>
-        </p:txBody>
-      </p:sp>
       <p:cxnSp>
         <p:nvCxnSpPr>
           <p:cNvPr id="43" name="Straight Arrow Connector 42"/>
           <p:cNvCxnSpPr>
             <a:stCxn id="24" idx="2"/>
-            <a:endCxn id="42" idx="0"/>
           </p:cNvCxnSpPr>
           <p:nvPr/>
         </p:nvCxnSpPr>
@@ -4669,7 +4582,7 @@
         </p:nvSpPr>
         <p:spPr>
           <a:xfrm>
-            <a:off x="1524000" y="304800"/>
+            <a:off x="1524000" y="457200"/>
             <a:ext cx="1295400" cy="369332"/>
           </a:xfrm>
           <a:prstGeom prst="rect">
@@ -4699,7 +4612,7 @@
         </p:nvSpPr>
         <p:spPr>
           <a:xfrm>
-            <a:off x="5943600" y="304800"/>
+            <a:off x="5943600" y="457200"/>
             <a:ext cx="1295400" cy="369332"/>
           </a:xfrm>
           <a:prstGeom prst="rect">
@@ -4833,6 +4746,90 @@
           </a:fontRef>
         </p:style>
       </p:cxnSp>
+      <p:sp>
+        <p:nvSpPr>
+          <p:cNvPr id="56" name="Rounded Rectangle 55"/>
+          <p:cNvSpPr/>
+          <p:nvPr/>
+        </p:nvSpPr>
+        <p:spPr>
+          <a:xfrm>
+            <a:off x="2514600" y="6096000"/>
+            <a:ext cx="990600" cy="381000"/>
+          </a:xfrm>
+          <a:prstGeom prst="roundRect">
+            <a:avLst/>
+          </a:prstGeom>
+        </p:spPr>
+        <p:style>
+          <a:lnRef idx="1">
+            <a:schemeClr val="dk1"/>
+          </a:lnRef>
+          <a:fillRef idx="2">
+            <a:schemeClr val="dk1"/>
+          </a:fillRef>
+          <a:effectRef idx="1">
+            <a:schemeClr val="dk1"/>
+          </a:effectRef>
+          <a:fontRef idx="minor">
+            <a:schemeClr val="dk1"/>
+          </a:fontRef>
+        </p:style>
+        <p:txBody>
+          <a:bodyPr rtlCol="0" anchor="ctr"/>
+          <a:lstStyle/>
+          <a:p>
+            <a:pPr algn="ctr"/>
+            <a:r>
+              <a:rPr lang="en-US" sz="1400" dirty="0" smtClean="0"/>
+              <a:t>Inst ROM</a:t>
+            </a:r>
+            <a:endParaRPr lang="en-US" sz="1400" dirty="0"/>
+          </a:p>
+        </p:txBody>
+      </p:sp>
+      <p:sp>
+        <p:nvSpPr>
+          <p:cNvPr id="58" name="Rounded Rectangle 57"/>
+          <p:cNvSpPr/>
+          <p:nvPr/>
+        </p:nvSpPr>
+        <p:spPr>
+          <a:xfrm>
+            <a:off x="6172200" y="6096000"/>
+            <a:ext cx="990600" cy="381000"/>
+          </a:xfrm>
+          <a:prstGeom prst="roundRect">
+            <a:avLst/>
+          </a:prstGeom>
+        </p:spPr>
+        <p:style>
+          <a:lnRef idx="1">
+            <a:schemeClr val="dk1"/>
+          </a:lnRef>
+          <a:fillRef idx="2">
+            <a:schemeClr val="dk1"/>
+          </a:fillRef>
+          <a:effectRef idx="1">
+            <a:schemeClr val="dk1"/>
+          </a:effectRef>
+          <a:fontRef idx="minor">
+            <a:schemeClr val="dk1"/>
+          </a:fontRef>
+        </p:style>
+        <p:txBody>
+          <a:bodyPr rtlCol="0" anchor="ctr"/>
+          <a:lstStyle/>
+          <a:p>
+            <a:pPr algn="ctr"/>
+            <a:r>
+              <a:rPr lang="en-US" sz="1400" dirty="0" smtClean="0"/>
+              <a:t>Inst ROM</a:t>
+            </a:r>
+            <a:endParaRPr lang="en-US" sz="1400" dirty="0"/>
+          </a:p>
+        </p:txBody>
+      </p:sp>
     </p:spTree>
   </p:cSld>
   <p:clrMapOvr>
